--- a/2-coverage/lec6-gcov-llvm-cov-v5.pptx
+++ b/2-coverage/lec6-gcov-llvm-cov-v5.pptx
@@ -251,7 +251,7 @@
           <a:p>
             <a:fld id="{66519C4B-957B-48D8-9FA5-433F329C300C}" type="datetimeFigureOut">
               <a:rPr lang="ko-KR" altLang="en-US" smtClean="0"/>
-              <a:t>2022-11-24</a:t>
+              <a:t>2023-03-09</a:t>
             </a:fld>
             <a:endParaRPr lang="ko-KR" altLang="en-US" dirty="0"/>
           </a:p>
@@ -999,7 +999,7 @@
                 </a:solidFill>
               </a:rPr>
               <a:pPr/>
-              <a:t>2022-11-24</a:t>
+              <a:t>2023-03-09</a:t>
             </a:fld>
             <a:endParaRPr lang="ko-KR" altLang="en-US">
               <a:solidFill>
@@ -1199,7 +1199,7 @@
                 </a:solidFill>
               </a:rPr>
               <a:pPr/>
-              <a:t>2022-11-24</a:t>
+              <a:t>2023-03-09</a:t>
             </a:fld>
             <a:endParaRPr lang="ko-KR" altLang="en-US">
               <a:solidFill>
@@ -1409,7 +1409,7 @@
                 </a:solidFill>
               </a:rPr>
               <a:pPr/>
-              <a:t>2022-11-24</a:t>
+              <a:t>2023-03-09</a:t>
             </a:fld>
             <a:endParaRPr lang="ko-KR" altLang="en-US">
               <a:solidFill>
@@ -1609,7 +1609,7 @@
                 </a:solidFill>
               </a:rPr>
               <a:pPr/>
-              <a:t>2022-11-24</a:t>
+              <a:t>2023-03-09</a:t>
             </a:fld>
             <a:endParaRPr lang="ko-KR" altLang="en-US">
               <a:solidFill>
@@ -1886,7 +1886,7 @@
                 </a:solidFill>
               </a:rPr>
               <a:pPr/>
-              <a:t>2022-11-24</a:t>
+              <a:t>2023-03-09</a:t>
             </a:fld>
             <a:endParaRPr lang="ko-KR" altLang="en-US">
               <a:solidFill>
@@ -2203,7 +2203,7 @@
                 </a:solidFill>
               </a:rPr>
               <a:pPr/>
-              <a:t>2022-11-24</a:t>
+              <a:t>2023-03-09</a:t>
             </a:fld>
             <a:endParaRPr lang="ko-KR" altLang="en-US">
               <a:solidFill>
@@ -2654,7 +2654,7 @@
                 </a:solidFill>
               </a:rPr>
               <a:pPr/>
-              <a:t>2022-11-24</a:t>
+              <a:t>2023-03-09</a:t>
             </a:fld>
             <a:endParaRPr lang="ko-KR" altLang="en-US">
               <a:solidFill>
@@ -2803,7 +2803,7 @@
                 </a:solidFill>
               </a:rPr>
               <a:pPr/>
-              <a:t>2022-11-24</a:t>
+              <a:t>2023-03-09</a:t>
             </a:fld>
             <a:endParaRPr lang="ko-KR" altLang="en-US">
               <a:solidFill>
@@ -2930,7 +2930,7 @@
                 </a:solidFill>
               </a:rPr>
               <a:pPr/>
-              <a:t>2022-11-24</a:t>
+              <a:t>2023-03-09</a:t>
             </a:fld>
             <a:endParaRPr lang="ko-KR" altLang="en-US">
               <a:solidFill>
@@ -3237,7 +3237,7 @@
                 </a:solidFill>
               </a:rPr>
               <a:pPr/>
-              <a:t>2022-11-24</a:t>
+              <a:t>2023-03-09</a:t>
             </a:fld>
             <a:endParaRPr lang="ko-KR" altLang="en-US">
               <a:solidFill>
@@ -3521,7 +3521,7 @@
                 </a:solidFill>
               </a:rPr>
               <a:pPr/>
-              <a:t>2022-11-24</a:t>
+              <a:t>2023-03-09</a:t>
             </a:fld>
             <a:endParaRPr lang="ko-KR" altLang="en-US">
               <a:solidFill>
@@ -3764,7 +3764,7 @@
                 </a:solidFill>
               </a:rPr>
               <a:pPr/>
-              <a:t>2022-11-24</a:t>
+              <a:t>2023-03-09</a:t>
             </a:fld>
             <a:endParaRPr lang="ko-KR" altLang="en-US">
               <a:solidFill>
@@ -4308,8 +4308,162 @@
               <a:rPr lang="en-US" altLang="ko-KR" sz="2800" dirty="0">
                 <a:latin typeface="Calibri" panose="020F0502020204030204" pitchFamily="34" charset="0"/>
               </a:rPr>
-              <a:t>purpose) and works only on code compiled with the GCC suite. </a:t>
-            </a:r>
+              <a:t>purpose) and works only on code compiled with the GCC suite</a:t>
+            </a:r>
+            <a:r>
+              <a:rPr lang="en-US" altLang="ko-KR" sz="2800">
+                <a:latin typeface="Calibri" panose="020F0502020204030204" pitchFamily="34" charset="0"/>
+              </a:rPr>
+              <a:t>. </a:t>
+            </a:r>
+          </a:p>
+          <a:p>
+            <a:r>
+              <a:rPr lang="ko-KR" altLang="ko-KR" sz="2400" b="1">
+                <a:latin typeface="Calibri" panose="020F0502020204030204" pitchFamily="34" charset="0"/>
+                <a:cs typeface="Courier New" panose="02070309020205020404" pitchFamily="49" charset="0"/>
+              </a:rPr>
+              <a:t>gcov [-b] [-c] [-v] [-n] [-l] [-f] [-o directory] </a:t>
+            </a:r>
+            <a:r>
+              <a:rPr lang="ko-KR" altLang="ko-KR" sz="2400" b="1" i="1">
+                <a:latin typeface="Calibri" panose="020F0502020204030204" pitchFamily="34" charset="0"/>
+                <a:cs typeface="Courier New" panose="02070309020205020404" pitchFamily="49" charset="0"/>
+              </a:rPr>
+              <a:t>sourcefile</a:t>
+            </a:r>
+            <a:r>
+              <a:rPr lang="ko-KR" altLang="ko-KR" sz="2400" b="1">
+                <a:latin typeface="Calibri" panose="020F0502020204030204" pitchFamily="34" charset="0"/>
+                <a:cs typeface="Courier New" panose="02070309020205020404" pitchFamily="49" charset="0"/>
+              </a:rPr>
+              <a:t> </a:t>
+            </a:r>
+            <a:endParaRPr lang="en-US" altLang="ko-KR" sz="2400" b="1">
+              <a:latin typeface="Calibri" panose="020F0502020204030204" pitchFamily="34" charset="0"/>
+              <a:cs typeface="Courier New" panose="02070309020205020404" pitchFamily="49" charset="0"/>
+            </a:endParaRPr>
+          </a:p>
+          <a:p>
+            <a:pPr lvl="1"/>
+            <a:r>
+              <a:rPr lang="en-US" altLang="ko-KR" sz="1400">
+                <a:latin typeface="Calibri" panose="020F0502020204030204" pitchFamily="34" charset="0"/>
+              </a:rPr>
+              <a:t>-a: Write individual execution counts for every basic block. </a:t>
+            </a:r>
+          </a:p>
+          <a:p>
+            <a:pPr lvl="1"/>
+            <a:r>
+              <a:rPr lang="en-US" altLang="ko-KR" sz="1400">
+                <a:latin typeface="Calibri" panose="020F0502020204030204" pitchFamily="34" charset="0"/>
+              </a:rPr>
+              <a:t>-</a:t>
+            </a:r>
+            <a:r>
+              <a:rPr lang="ko-KR" altLang="ko-KR" sz="1400">
+                <a:latin typeface="Calibri" panose="020F0502020204030204" pitchFamily="34" charset="0"/>
+              </a:rPr>
+              <a:t>b</a:t>
+            </a:r>
+            <a:r>
+              <a:rPr lang="en-US" altLang="ko-KR" sz="1400">
+                <a:latin typeface="Calibri" panose="020F0502020204030204" pitchFamily="34" charset="0"/>
+              </a:rPr>
+              <a:t>: </a:t>
+            </a:r>
+            <a:r>
+              <a:rPr lang="ko-KR" altLang="ko-KR" sz="1400">
+                <a:latin typeface="Calibri" panose="020F0502020204030204" pitchFamily="34" charset="0"/>
+              </a:rPr>
+              <a:t>Write branch frequencies to the output file</a:t>
+            </a:r>
+            <a:r>
+              <a:rPr lang="en-US" altLang="ko-KR" sz="1400">
+                <a:latin typeface="Calibri" panose="020F0502020204030204" pitchFamily="34" charset="0"/>
+              </a:rPr>
+              <a:t> </a:t>
+            </a:r>
+            <a:endParaRPr lang="ko-KR" altLang="ko-KR" sz="1400">
+              <a:latin typeface="Calibri" panose="020F0502020204030204" pitchFamily="34" charset="0"/>
+            </a:endParaRPr>
+          </a:p>
+          <a:p>
+            <a:pPr lvl="1"/>
+            <a:r>
+              <a:rPr lang="ko-KR" altLang="ko-KR" sz="1400">
+                <a:latin typeface="Calibri" panose="020F0502020204030204" pitchFamily="34" charset="0"/>
+              </a:rPr>
+              <a:t>-c</a:t>
+            </a:r>
+            <a:r>
+              <a:rPr lang="en-US" altLang="ko-KR" sz="1400">
+                <a:latin typeface="Calibri" panose="020F0502020204030204" pitchFamily="34" charset="0"/>
+              </a:rPr>
+              <a:t>:</a:t>
+            </a:r>
+            <a:r>
+              <a:rPr lang="ko-KR" altLang="ko-KR" sz="1400">
+                <a:latin typeface="Calibri" panose="020F0502020204030204" pitchFamily="34" charset="0"/>
+              </a:rPr>
+              <a:t> Write branch frequencies as the number of branches taken</a:t>
+            </a:r>
+            <a:r>
+              <a:rPr lang="en-US" altLang="ko-KR" sz="1400">
+                <a:latin typeface="Calibri" panose="020F0502020204030204" pitchFamily="34" charset="0"/>
+              </a:rPr>
+              <a:t> </a:t>
+            </a:r>
+            <a:endParaRPr lang="ko-KR" altLang="ko-KR" sz="1400">
+              <a:latin typeface="Calibri" panose="020F0502020204030204" pitchFamily="34" charset="0"/>
+            </a:endParaRPr>
+          </a:p>
+          <a:p>
+            <a:pPr lvl="1"/>
+            <a:r>
+              <a:rPr lang="ko-KR" altLang="ko-KR" sz="1400">
+                <a:latin typeface="Calibri" panose="020F0502020204030204" pitchFamily="34" charset="0"/>
+              </a:rPr>
+              <a:t>-f</a:t>
+            </a:r>
+            <a:r>
+              <a:rPr lang="en-US" altLang="ko-KR" sz="1400">
+                <a:latin typeface="Calibri" panose="020F0502020204030204" pitchFamily="34" charset="0"/>
+              </a:rPr>
+              <a:t>:</a:t>
+            </a:r>
+            <a:r>
+              <a:rPr lang="ko-KR" altLang="ko-KR" sz="1400">
+                <a:latin typeface="Calibri" panose="020F0502020204030204" pitchFamily="34" charset="0"/>
+              </a:rPr>
+              <a:t> Output summaries for each function in addition to the file level summary. </a:t>
+            </a:r>
+          </a:p>
+          <a:p>
+            <a:pPr lvl="1"/>
+            <a:r>
+              <a:rPr lang="ko-KR" altLang="ko-KR" sz="1400">
+                <a:latin typeface="Calibri" panose="020F0502020204030204" pitchFamily="34" charset="0"/>
+              </a:rPr>
+              <a:t>-o The directory where the object files live. Gcov will search for `.bb', `.bbg', and `.da' files in this directory</a:t>
+            </a:r>
+            <a:endParaRPr kumimoji="1" lang="ko-KR" altLang="ko-KR" sz="800" b="0" i="0" u="none" strike="noStrike" cap="none" normalizeH="0" baseline="0">
+              <a:ln>
+                <a:noFill/>
+              </a:ln>
+              <a:solidFill>
+                <a:schemeClr val="tx1"/>
+              </a:solidFill>
+              <a:effectLst/>
+              <a:latin typeface="Calibri" panose="020F0502020204030204" pitchFamily="34" charset="0"/>
+              <a:ea typeface="굴림" pitchFamily="50" charset="-127"/>
+            </a:endParaRPr>
+          </a:p>
+          <a:p>
+            <a:endParaRPr lang="en-US" altLang="ko-KR" sz="2800" dirty="0">
+              <a:latin typeface="Calibri" panose="020F0502020204030204" pitchFamily="34" charset="0"/>
+            </a:endParaRPr>
           </a:p>
         </p:txBody>
       </p:sp>
@@ -5062,7 +5216,21 @@
                 <a:latin typeface="Calibri" panose="020F0502020204030204" pitchFamily="34" charset="0"/>
                 <a:cs typeface="Courier New" panose="02070309020205020404" pitchFamily="49" charset="0"/>
               </a:rPr>
-              <a:t>To use gcov, each source file should be compiled with </a:t>
+              <a:t>To use </a:t>
+            </a:r>
+            <a:r>
+              <a:rPr lang="en-US" altLang="ko-KR" sz="2400" dirty="0">
+                <a:latin typeface="Courier New" panose="02070309020205020404" pitchFamily="49" charset="0"/>
+                <a:cs typeface="Courier New" panose="02070309020205020404" pitchFamily="49" charset="0"/>
+              </a:rPr>
+              <a:t>gcov</a:t>
+            </a:r>
+            <a:r>
+              <a:rPr lang="en-US" altLang="ko-KR" sz="2400" dirty="0">
+                <a:latin typeface="Calibri" panose="020F0502020204030204" pitchFamily="34" charset="0"/>
+                <a:cs typeface="Courier New" panose="02070309020205020404" pitchFamily="49" charset="0"/>
+              </a:rPr>
+              <a:t>, each source file should be compiled with </a:t>
             </a:r>
             <a:br>
               <a:rPr lang="en-US" altLang="ko-KR" sz="2400">
@@ -5119,8 +5287,19 @@
                 <a:latin typeface="Calibri" panose="020F0502020204030204" pitchFamily="34" charset="0"/>
                 <a:cs typeface="Courier New" panose="02070309020205020404" pitchFamily="49" charset="0"/>
               </a:rPr>
-              <a:t> file that is a graph file of the source file.</a:t>
-            </a:r>
+              <a:t> file that is a graph file of the </a:t>
+            </a:r>
+            <a:r>
+              <a:rPr lang="en-US" altLang="ko-KR" sz="2400">
+                <a:latin typeface="Calibri" panose="020F0502020204030204" pitchFamily="34" charset="0"/>
+                <a:cs typeface="Courier New" panose="02070309020205020404" pitchFamily="49" charset="0"/>
+              </a:rPr>
+              <a:t>source file in the current working directory.</a:t>
+            </a:r>
+            <a:endParaRPr lang="en-US" altLang="ko-KR" sz="2400" dirty="0">
+              <a:latin typeface="Calibri" panose="020F0502020204030204" pitchFamily="34" charset="0"/>
+              <a:cs typeface="Courier New" panose="02070309020205020404" pitchFamily="49" charset="0"/>
+            </a:endParaRPr>
           </a:p>
           <a:p>
             <a:r>
@@ -5141,7 +5320,7 @@
               <a:t>.</a:t>
             </a:r>
             <a:r>
-              <a:rPr lang="en-US" altLang="ko-KR" sz="2400" dirty="0" err="1">
+              <a:rPr lang="en-US" altLang="ko-KR" sz="2400" err="1">
                 <a:solidFill>
                   <a:srgbClr val="FF0000"/>
                 </a:solidFill>
@@ -5151,7 +5330,7 @@
               <a:t>gcda</a:t>
             </a:r>
             <a:r>
-              <a:rPr lang="en-US" altLang="ko-KR" sz="2400" dirty="0">
+              <a:rPr lang="en-US" altLang="ko-KR" sz="2400">
                 <a:solidFill>
                   <a:srgbClr val="FF0000"/>
                 </a:solidFill>
@@ -5161,12 +5340,16 @@
               <a:t> </a:t>
             </a:r>
             <a:r>
-              <a:rPr lang="en-US" altLang="ko-KR" sz="2400" dirty="0">
+              <a:rPr lang="en-US" altLang="ko-KR" sz="2400">
                 <a:latin typeface="Calibri" panose="020F0502020204030204" pitchFamily="34" charset="0"/>
                 <a:cs typeface="Courier New" panose="02070309020205020404" pitchFamily="49" charset="0"/>
               </a:rPr>
-              <a:t>file.</a:t>
-            </a:r>
+              <a:t>file in the same directory to the  current working directory.</a:t>
+            </a:r>
+            <a:endParaRPr lang="en-US" altLang="ko-KR" sz="2400" dirty="0">
+              <a:latin typeface="Calibri" panose="020F0502020204030204" pitchFamily="34" charset="0"/>
+              <a:cs typeface="Courier New" panose="02070309020205020404" pitchFamily="49" charset="0"/>
+            </a:endParaRPr>
           </a:p>
           <a:p>
             <a:r>
@@ -5244,149 +5427,6 @@
             </a:r>
             <a:endParaRPr lang="en-US" altLang="ko-KR" sz="2400" dirty="0">
               <a:latin typeface="Calibri" panose="020F0502020204030204" pitchFamily="34" charset="0"/>
-            </a:endParaRPr>
-          </a:p>
-          <a:p>
-            <a:r>
-              <a:rPr lang="ko-KR" altLang="ko-KR" sz="2400" b="1" dirty="0">
-                <a:latin typeface="Calibri" panose="020F0502020204030204" pitchFamily="34" charset="0"/>
-                <a:cs typeface="Courier New" panose="02070309020205020404" pitchFamily="49" charset="0"/>
-              </a:rPr>
-              <a:t>gcov [-b] [-c] [-v] [-n] [-l] [-f] [-o directory] </a:t>
-            </a:r>
-            <a:r>
-              <a:rPr lang="ko-KR" altLang="ko-KR" sz="2400" b="1" i="1" dirty="0">
-                <a:latin typeface="Calibri" panose="020F0502020204030204" pitchFamily="34" charset="0"/>
-                <a:cs typeface="Courier New" panose="02070309020205020404" pitchFamily="49" charset="0"/>
-              </a:rPr>
-              <a:t>sourcefile</a:t>
-            </a:r>
-            <a:r>
-              <a:rPr lang="ko-KR" altLang="ko-KR" sz="2400" b="1" dirty="0">
-                <a:latin typeface="Calibri" panose="020F0502020204030204" pitchFamily="34" charset="0"/>
-                <a:cs typeface="Courier New" panose="02070309020205020404" pitchFamily="49" charset="0"/>
-              </a:rPr>
-              <a:t> </a:t>
-            </a:r>
-            <a:endParaRPr lang="en-US" altLang="ko-KR" sz="2400" b="1" dirty="0">
-              <a:latin typeface="Calibri" panose="020F0502020204030204" pitchFamily="34" charset="0"/>
-              <a:cs typeface="Courier New" panose="02070309020205020404" pitchFamily="49" charset="0"/>
-            </a:endParaRPr>
-          </a:p>
-          <a:p>
-            <a:pPr lvl="1"/>
-            <a:r>
-              <a:rPr lang="en-US" altLang="ko-KR" sz="1400" dirty="0">
-                <a:latin typeface="Calibri" panose="020F0502020204030204" pitchFamily="34" charset="0"/>
-              </a:rPr>
-              <a:t>-a: Write individual execution counts for every basic block. </a:t>
-            </a:r>
-          </a:p>
-          <a:p>
-            <a:pPr lvl="1"/>
-            <a:r>
-              <a:rPr lang="en-US" altLang="ko-KR" sz="1400" dirty="0">
-                <a:latin typeface="Calibri" panose="020F0502020204030204" pitchFamily="34" charset="0"/>
-              </a:rPr>
-              <a:t>-</a:t>
-            </a:r>
-            <a:r>
-              <a:rPr lang="ko-KR" altLang="ko-KR" sz="1400" dirty="0">
-                <a:latin typeface="Calibri" panose="020F0502020204030204" pitchFamily="34" charset="0"/>
-              </a:rPr>
-              <a:t>b</a:t>
-            </a:r>
-            <a:r>
-              <a:rPr lang="en-US" altLang="ko-KR" sz="1400" dirty="0">
-                <a:latin typeface="Calibri" panose="020F0502020204030204" pitchFamily="34" charset="0"/>
-              </a:rPr>
-              <a:t>: </a:t>
-            </a:r>
-            <a:r>
-              <a:rPr lang="ko-KR" altLang="ko-KR" sz="1400" dirty="0">
-                <a:latin typeface="Calibri" panose="020F0502020204030204" pitchFamily="34" charset="0"/>
-              </a:rPr>
-              <a:t>Write branch frequencies to the output file</a:t>
-            </a:r>
-            <a:r>
-              <a:rPr lang="en-US" altLang="ko-KR" sz="1400" dirty="0">
-                <a:latin typeface="Calibri" panose="020F0502020204030204" pitchFamily="34" charset="0"/>
-              </a:rPr>
-              <a:t> </a:t>
-            </a:r>
-            <a:endParaRPr lang="ko-KR" altLang="ko-KR" sz="1400" dirty="0">
-              <a:latin typeface="Calibri" panose="020F0502020204030204" pitchFamily="34" charset="0"/>
-            </a:endParaRPr>
-          </a:p>
-          <a:p>
-            <a:pPr lvl="1"/>
-            <a:r>
-              <a:rPr lang="ko-KR" altLang="ko-KR" sz="1400" dirty="0">
-                <a:latin typeface="Calibri" panose="020F0502020204030204" pitchFamily="34" charset="0"/>
-              </a:rPr>
-              <a:t>-c</a:t>
-            </a:r>
-            <a:r>
-              <a:rPr lang="en-US" altLang="ko-KR" sz="1400" dirty="0">
-                <a:latin typeface="Calibri" panose="020F0502020204030204" pitchFamily="34" charset="0"/>
-              </a:rPr>
-              <a:t>:</a:t>
-            </a:r>
-            <a:r>
-              <a:rPr lang="ko-KR" altLang="ko-KR" sz="1400" dirty="0">
-                <a:latin typeface="Calibri" panose="020F0502020204030204" pitchFamily="34" charset="0"/>
-              </a:rPr>
-              <a:t> Write branch frequencies as the number of branches taken</a:t>
-            </a:r>
-            <a:r>
-              <a:rPr lang="en-US" altLang="ko-KR" sz="1400" dirty="0">
-                <a:latin typeface="Calibri" panose="020F0502020204030204" pitchFamily="34" charset="0"/>
-              </a:rPr>
-              <a:t> </a:t>
-            </a:r>
-            <a:endParaRPr lang="ko-KR" altLang="ko-KR" sz="1400" dirty="0">
-              <a:latin typeface="Calibri" panose="020F0502020204030204" pitchFamily="34" charset="0"/>
-            </a:endParaRPr>
-          </a:p>
-          <a:p>
-            <a:pPr lvl="1"/>
-            <a:r>
-              <a:rPr lang="ko-KR" altLang="ko-KR" sz="1400" dirty="0">
-                <a:latin typeface="Calibri" panose="020F0502020204030204" pitchFamily="34" charset="0"/>
-              </a:rPr>
-              <a:t>-f</a:t>
-            </a:r>
-            <a:r>
-              <a:rPr lang="en-US" altLang="ko-KR" sz="1400" dirty="0">
-                <a:latin typeface="Calibri" panose="020F0502020204030204" pitchFamily="34" charset="0"/>
-              </a:rPr>
-              <a:t>:</a:t>
-            </a:r>
-            <a:r>
-              <a:rPr lang="ko-KR" altLang="ko-KR" sz="1400" dirty="0">
-                <a:latin typeface="Calibri" panose="020F0502020204030204" pitchFamily="34" charset="0"/>
-              </a:rPr>
-              <a:t> Output summaries for each function in addition to the file level summary. </a:t>
-            </a:r>
-          </a:p>
-          <a:p>
-            <a:pPr lvl="1"/>
-            <a:r>
-              <a:rPr lang="ko-KR" altLang="ko-KR" sz="1400" dirty="0">
-                <a:latin typeface="Calibri" panose="020F0502020204030204" pitchFamily="34" charset="0"/>
-              </a:rPr>
-              <a:t>-o The directory where the object files live. Gcov will search for `.bb', `.bbg', and `.da' files in this directory</a:t>
-            </a:r>
-            <a:endParaRPr kumimoji="1" lang="ko-KR" altLang="ko-KR" sz="800" b="0" i="0" u="none" strike="noStrike" cap="none" normalizeH="0" baseline="0" dirty="0">
-              <a:ln>
-                <a:noFill/>
-              </a:ln>
-              <a:solidFill>
-                <a:schemeClr val="tx1"/>
-              </a:solidFill>
-              <a:effectLst/>
-              <a:latin typeface="Calibri" panose="020F0502020204030204" pitchFamily="34" charset="0"/>
-              <a:ea typeface="굴림" pitchFamily="50" charset="-127"/>
             </a:endParaRPr>
           </a:p>
           <a:p>
